--- a/DimSecurity.pptx
+++ b/DimSecurity.pptx
@@ -8,12 +8,13 @@
     <p:sldId id="256" r:id="rId2"/>
     <p:sldId id="257" r:id="rId3"/>
     <p:sldId id="258" r:id="rId4"/>
-    <p:sldId id="259" r:id="rId5"/>
-    <p:sldId id="260" r:id="rId6"/>
-    <p:sldId id="261" r:id="rId7"/>
-    <p:sldId id="262" r:id="rId8"/>
-    <p:sldId id="263" r:id="rId9"/>
-    <p:sldId id="264" r:id="rId10"/>
+    <p:sldId id="265" r:id="rId5"/>
+    <p:sldId id="259" r:id="rId6"/>
+    <p:sldId id="260" r:id="rId7"/>
+    <p:sldId id="261" r:id="rId8"/>
+    <p:sldId id="262" r:id="rId9"/>
+    <p:sldId id="263" r:id="rId10"/>
+    <p:sldId id="264" r:id="rId11"/>
   </p:sldIdLst>
   <p:sldSz cx="12192000" cy="6858000"/>
   <p:notesSz cx="6858000" cy="9144000"/>
@@ -112,6 +113,11 @@
       </a:defRPr>
     </a:lvl9pPr>
   </p:defaultTextStyle>
+  <p:extLst>
+    <p:ext uri="{EFAFB233-063F-42B5-8137-9DF3F51BA10A}">
+      <p15:sldGuideLst xmlns:p15="http://schemas.microsoft.com/office/powerpoint/2012/main"/>
+    </p:ext>
+  </p:extLst>
 </p:presentation>
 </file>
 
@@ -285,7 +291,7 @@
           <a:p>
             <a:fld id="{5D7F8BDB-CF33-48E7-B552-F2B17CD0BAFA}" type="datetimeFigureOut">
               <a:rPr lang="bg-BG" smtClean="0"/>
-              <a:t>1.7.2020 г.</a:t>
+              <a:t>6.7.2020 г.</a:t>
             </a:fld>
             <a:endParaRPr lang="bg-BG"/>
           </a:p>
@@ -552,7 +558,7 @@
           <a:p>
             <a:fld id="{5D7F8BDB-CF33-48E7-B552-F2B17CD0BAFA}" type="datetimeFigureOut">
               <a:rPr lang="bg-BG" smtClean="0"/>
-              <a:t>1.7.2020 г.</a:t>
+              <a:t>6.7.2020 г.</a:t>
             </a:fld>
             <a:endParaRPr lang="bg-BG"/>
           </a:p>
@@ -783,7 +789,7 @@
           <a:p>
             <a:fld id="{5D7F8BDB-CF33-48E7-B552-F2B17CD0BAFA}" type="datetimeFigureOut">
               <a:rPr lang="bg-BG" smtClean="0"/>
-              <a:t>1.7.2020 г.</a:t>
+              <a:t>6.7.2020 г.</a:t>
             </a:fld>
             <a:endParaRPr lang="bg-BG"/>
           </a:p>
@@ -1093,7 +1099,7 @@
           <a:p>
             <a:fld id="{5D7F8BDB-CF33-48E7-B552-F2B17CD0BAFA}" type="datetimeFigureOut">
               <a:rPr lang="bg-BG" smtClean="0"/>
-              <a:t>1.7.2020 г.</a:t>
+              <a:t>6.7.2020 г.</a:t>
             </a:fld>
             <a:endParaRPr lang="bg-BG"/>
           </a:p>
@@ -1566,7 +1572,7 @@
           <a:p>
             <a:fld id="{5D7F8BDB-CF33-48E7-B552-F2B17CD0BAFA}" type="datetimeFigureOut">
               <a:rPr lang="bg-BG" smtClean="0"/>
-              <a:t>1.7.2020 г.</a:t>
+              <a:t>6.7.2020 г.</a:t>
             </a:fld>
             <a:endParaRPr lang="bg-BG"/>
           </a:p>
@@ -2113,7 +2119,7 @@
           <a:p>
             <a:fld id="{5D7F8BDB-CF33-48E7-B552-F2B17CD0BAFA}" type="datetimeFigureOut">
               <a:rPr lang="bg-BG" smtClean="0"/>
-              <a:t>1.7.2020 г.</a:t>
+              <a:t>6.7.2020 г.</a:t>
             </a:fld>
             <a:endParaRPr lang="bg-BG"/>
           </a:p>
@@ -2887,7 +2893,7 @@
           <a:p>
             <a:fld id="{5D7F8BDB-CF33-48E7-B552-F2B17CD0BAFA}" type="datetimeFigureOut">
               <a:rPr lang="bg-BG" smtClean="0"/>
-              <a:t>1.7.2020 г.</a:t>
+              <a:t>6.7.2020 г.</a:t>
             </a:fld>
             <a:endParaRPr lang="bg-BG"/>
           </a:p>
@@ -3062,7 +3068,7 @@
           <a:p>
             <a:fld id="{5D7F8BDB-CF33-48E7-B552-F2B17CD0BAFA}" type="datetimeFigureOut">
               <a:rPr lang="bg-BG" smtClean="0"/>
-              <a:t>1.7.2020 г.</a:t>
+              <a:t>6.7.2020 г.</a:t>
             </a:fld>
             <a:endParaRPr lang="bg-BG"/>
           </a:p>
@@ -3285,7 +3291,7 @@
           <a:p>
             <a:fld id="{5D7F8BDB-CF33-48E7-B552-F2B17CD0BAFA}" type="datetimeFigureOut">
               <a:rPr lang="bg-BG" smtClean="0"/>
-              <a:t>1.7.2020 г.</a:t>
+              <a:t>6.7.2020 г.</a:t>
             </a:fld>
             <a:endParaRPr lang="bg-BG"/>
           </a:p>
@@ -3465,7 +3471,7 @@
           <a:p>
             <a:fld id="{5D7F8BDB-CF33-48E7-B552-F2B17CD0BAFA}" type="datetimeFigureOut">
               <a:rPr lang="bg-BG" smtClean="0"/>
-              <a:t>1.7.2020 г.</a:t>
+              <a:t>6.7.2020 г.</a:t>
             </a:fld>
             <a:endParaRPr lang="bg-BG"/>
           </a:p>
@@ -3754,7 +3760,7 @@
           <a:p>
             <a:fld id="{5D7F8BDB-CF33-48E7-B552-F2B17CD0BAFA}" type="datetimeFigureOut">
               <a:rPr lang="bg-BG" smtClean="0"/>
-              <a:t>1.7.2020 г.</a:t>
+              <a:t>6.7.2020 г.</a:t>
             </a:fld>
             <a:endParaRPr lang="bg-BG"/>
           </a:p>
@@ -3996,7 +4002,7 @@
           <a:p>
             <a:fld id="{5D7F8BDB-CF33-48E7-B552-F2B17CD0BAFA}" type="datetimeFigureOut">
               <a:rPr lang="bg-BG" smtClean="0"/>
-              <a:t>1.7.2020 г.</a:t>
+              <a:t>6.7.2020 г.</a:t>
             </a:fld>
             <a:endParaRPr lang="bg-BG"/>
           </a:p>
@@ -4375,7 +4381,7 @@
           <a:p>
             <a:fld id="{5D7F8BDB-CF33-48E7-B552-F2B17CD0BAFA}" type="datetimeFigureOut">
               <a:rPr lang="bg-BG" smtClean="0"/>
-              <a:t>1.7.2020 г.</a:t>
+              <a:t>6.7.2020 г.</a:t>
             </a:fld>
             <a:endParaRPr lang="bg-BG"/>
           </a:p>
@@ -4493,7 +4499,7 @@
           <a:p>
             <a:fld id="{5D7F8BDB-CF33-48E7-B552-F2B17CD0BAFA}" type="datetimeFigureOut">
               <a:rPr lang="bg-BG" smtClean="0"/>
-              <a:t>1.7.2020 г.</a:t>
+              <a:t>6.7.2020 г.</a:t>
             </a:fld>
             <a:endParaRPr lang="bg-BG"/>
           </a:p>
@@ -4588,7 +4594,7 @@
           <a:p>
             <a:fld id="{5D7F8BDB-CF33-48E7-B552-F2B17CD0BAFA}" type="datetimeFigureOut">
               <a:rPr lang="bg-BG" smtClean="0"/>
-              <a:t>1.7.2020 г.</a:t>
+              <a:t>6.7.2020 г.</a:t>
             </a:fld>
             <a:endParaRPr lang="bg-BG"/>
           </a:p>
@@ -4837,7 +4843,7 @@
           <a:p>
             <a:fld id="{5D7F8BDB-CF33-48E7-B552-F2B17CD0BAFA}" type="datetimeFigureOut">
               <a:rPr lang="bg-BG" smtClean="0"/>
-              <a:t>1.7.2020 г.</a:t>
+              <a:t>6.7.2020 г.</a:t>
             </a:fld>
             <a:endParaRPr lang="bg-BG"/>
           </a:p>
@@ -5094,7 +5100,7 @@
           <a:p>
             <a:fld id="{5D7F8BDB-CF33-48E7-B552-F2B17CD0BAFA}" type="datetimeFigureOut">
               <a:rPr lang="bg-BG" smtClean="0"/>
-              <a:t>1.7.2020 г.</a:t>
+              <a:t>6.7.2020 г.</a:t>
             </a:fld>
             <a:endParaRPr lang="bg-BG"/>
           </a:p>
@@ -5337,7 +5343,7 @@
           <a:p>
             <a:fld id="{5D7F8BDB-CF33-48E7-B552-F2B17CD0BAFA}" type="datetimeFigureOut">
               <a:rPr lang="bg-BG" smtClean="0"/>
-              <a:t>1.7.2020 г.</a:t>
+              <a:t>6.7.2020 г.</a:t>
             </a:fld>
             <a:endParaRPr lang="bg-BG"/>
           </a:p>
@@ -5819,6 +5825,363 @@
     <p:extLst>
       <p:ext uri="{BB962C8B-B14F-4D97-AF65-F5344CB8AC3E}">
         <p14:creationId xmlns:p14="http://schemas.microsoft.com/office/powerpoint/2010/main" val="559955051"/>
+      </p:ext>
+    </p:extLst>
+  </p:cSld>
+  <p:clrMapOvr>
+    <a:masterClrMapping/>
+  </p:clrMapOvr>
+</p:sld>
+</file>
+
+<file path=ppt/slides/slide10.xml><?xml version="1.0" encoding="utf-8"?>
+<p:sld xmlns:a="http://schemas.openxmlformats.org/drawingml/2006/main" xmlns:r="http://schemas.openxmlformats.org/officeDocument/2006/relationships" xmlns:p="http://schemas.openxmlformats.org/presentationml/2006/main">
+  <p:cSld>
+    <p:bg>
+      <p:bgPr>
+        <a:solidFill>
+          <a:schemeClr val="bg1"/>
+        </a:solidFill>
+        <a:effectLst/>
+      </p:bgPr>
+    </p:bg>
+    <p:spTree>
+      <p:nvGrpSpPr>
+        <p:cNvPr id="1" name=""/>
+        <p:cNvGrpSpPr/>
+        <p:nvPr/>
+      </p:nvGrpSpPr>
+      <p:grpSpPr>
+        <a:xfrm>
+          <a:off x="0" y="0"/>
+          <a:ext cx="0" cy="0"/>
+          <a:chOff x="0" y="0"/>
+          <a:chExt cx="0" cy="0"/>
+        </a:xfrm>
+      </p:grpSpPr>
+      <p:sp>
+        <p:nvSpPr>
+          <p:cNvPr id="17" name="Rounded Rectangle 14">
+            <a:extLst>
+              <a:ext uri="{FF2B5EF4-FFF2-40B4-BE49-F238E27FC236}">
+                <a16:creationId xmlns:a16="http://schemas.microsoft.com/office/drawing/2014/main" id="{637BD688-14A6-4B96-B8A2-3CD81C054FCE}"/>
+              </a:ext>
+              <a:ext uri="{C183D7F6-B498-43B3-948B-1728B52AA6E4}">
+                <adec:decorative xmlns:adec="http://schemas.microsoft.com/office/drawing/2017/decorative" val="1"/>
+              </a:ext>
+            </a:extLst>
+          </p:cNvPr>
+          <p:cNvSpPr>
+            <a:spLocks noGrp="1" noRot="1" noChangeAspect="1" noMove="1" noResize="1" noEditPoints="1" noAdjustHandles="1" noChangeArrowheads="1" noChangeShapeType="1" noTextEdit="1"/>
+          </p:cNvSpPr>
+          <p:nvPr>
+            <p:extLst>
+              <p:ext uri="{386F3935-93C4-4BCD-93E2-E3B085C9AB24}">
+                <p16:designElem xmlns:p16="http://schemas.microsoft.com/office/powerpoint/2015/main" val="1"/>
+              </p:ext>
+            </p:extLst>
+          </p:nvPr>
+        </p:nvSpPr>
+        <p:spPr>
+          <a:xfrm>
+            <a:off x="4636008" y="0"/>
+            <a:ext cx="7555992" cy="6858000"/>
+          </a:xfrm>
+          <a:prstGeom prst="rect">
+            <a:avLst/>
+          </a:prstGeom>
+          <a:solidFill>
+            <a:schemeClr val="bg2"/>
+          </a:solidFill>
+          <a:ln>
+            <a:noFill/>
+          </a:ln>
+          <a:effectLst/>
+        </p:spPr>
+        <p:style>
+          <a:lnRef idx="2">
+            <a:schemeClr val="accent1">
+              <a:shade val="50000"/>
+            </a:schemeClr>
+          </a:lnRef>
+          <a:fillRef idx="1">
+            <a:schemeClr val="accent1"/>
+          </a:fillRef>
+          <a:effectRef idx="0">
+            <a:schemeClr val="accent1"/>
+          </a:effectRef>
+          <a:fontRef idx="minor">
+            <a:schemeClr val="lt1"/>
+          </a:fontRef>
+        </p:style>
+        <p:txBody>
+          <a:bodyPr rtlCol="0" anchor="ctr"/>
+          <a:lstStyle/>
+          <a:p>
+            <a:pPr marL="0" marR="0" lvl="0" indent="0" algn="ctr" defTabSz="457200" rtl="0" eaLnBrk="1" fontAlgn="auto" latinLnBrk="0" hangingPunct="1">
+              <a:lnSpc>
+                <a:spcPct val="100000"/>
+              </a:lnSpc>
+              <a:spcBef>
+                <a:spcPts val="0"/>
+              </a:spcBef>
+              <a:spcAft>
+                <a:spcPts val="0"/>
+              </a:spcAft>
+              <a:buClrTx/>
+              <a:buSzTx/>
+              <a:buFontTx/>
+              <a:buNone/>
+              <a:tabLst/>
+              <a:defRPr/>
+            </a:pPr>
+            <a:endParaRPr kumimoji="0" lang="en-US" sz="1800" b="0" i="0" u="none" strike="noStrike" kern="1200" cap="none" spc="0" normalizeH="0" baseline="0" noProof="0">
+              <a:ln>
+                <a:noFill/>
+              </a:ln>
+              <a:solidFill>
+                <a:prstClr val="white"/>
+              </a:solidFill>
+              <a:effectLst/>
+              <a:uLnTx/>
+              <a:uFillTx/>
+              <a:latin typeface="Century Gothic" panose="020B0502020202020204"/>
+              <a:ea typeface="+mn-ea"/>
+              <a:cs typeface="+mn-cs"/>
+            </a:endParaRPr>
+          </a:p>
+        </p:txBody>
+      </p:sp>
+      <p:sp useBgFill="1">
+        <p:nvSpPr>
+          <p:cNvPr id="19" name="Rectangle 18">
+            <a:extLst>
+              <a:ext uri="{FF2B5EF4-FFF2-40B4-BE49-F238E27FC236}">
+                <a16:creationId xmlns:a16="http://schemas.microsoft.com/office/drawing/2014/main" id="{B7B2544F-CA5E-40F6-9525-716A90C83FC5}"/>
+              </a:ext>
+              <a:ext uri="{C183D7F6-B498-43B3-948B-1728B52AA6E4}">
+                <adec:decorative xmlns:adec="http://schemas.microsoft.com/office/drawing/2017/decorative" val="1"/>
+              </a:ext>
+            </a:extLst>
+          </p:cNvPr>
+          <p:cNvSpPr>
+            <a:spLocks noGrp="1" noRot="1" noChangeAspect="1" noMove="1" noResize="1" noEditPoints="1" noAdjustHandles="1" noChangeArrowheads="1" noChangeShapeType="1" noTextEdit="1"/>
+          </p:cNvSpPr>
+          <p:nvPr>
+            <p:extLst>
+              <p:ext uri="{386F3935-93C4-4BCD-93E2-E3B085C9AB24}">
+                <p16:designElem xmlns:p16="http://schemas.microsoft.com/office/powerpoint/2015/main" val="1"/>
+              </p:ext>
+            </p:extLst>
+          </p:nvPr>
+        </p:nvSpPr>
+        <p:spPr>
+          <a:xfrm>
+            <a:off x="0" y="0"/>
+            <a:ext cx="4636008" cy="6858000"/>
+          </a:xfrm>
+          <a:prstGeom prst="rect">
+            <a:avLst/>
+          </a:prstGeom>
+          <a:ln>
+            <a:noFill/>
+          </a:ln>
+          <a:effectLst>
+            <a:outerShdw blurRad="63500" dist="38100" algn="l" rotWithShape="0">
+              <a:prstClr val="black">
+                <a:alpha val="40000"/>
+              </a:prstClr>
+            </a:outerShdw>
+          </a:effectLst>
+        </p:spPr>
+        <p:style>
+          <a:lnRef idx="2">
+            <a:schemeClr val="accent1">
+              <a:shade val="50000"/>
+            </a:schemeClr>
+          </a:lnRef>
+          <a:fillRef idx="1">
+            <a:schemeClr val="accent1"/>
+          </a:fillRef>
+          <a:effectRef idx="0">
+            <a:schemeClr val="accent1"/>
+          </a:effectRef>
+          <a:fontRef idx="minor">
+            <a:schemeClr val="lt1"/>
+          </a:fontRef>
+        </p:style>
+        <p:txBody>
+          <a:bodyPr rtlCol="0" anchor="ctr"/>
+          <a:lstStyle/>
+          <a:p>
+            <a:pPr marL="0" marR="0" lvl="0" indent="0" algn="ctr" defTabSz="457200" rtl="0" eaLnBrk="1" fontAlgn="auto" latinLnBrk="0" hangingPunct="1">
+              <a:lnSpc>
+                <a:spcPct val="100000"/>
+              </a:lnSpc>
+              <a:spcBef>
+                <a:spcPts val="0"/>
+              </a:spcBef>
+              <a:spcAft>
+                <a:spcPts val="0"/>
+              </a:spcAft>
+              <a:buClrTx/>
+              <a:buSzTx/>
+              <a:buFontTx/>
+              <a:buNone/>
+              <a:tabLst/>
+              <a:defRPr/>
+            </a:pPr>
+            <a:endParaRPr kumimoji="0" lang="en-US" sz="1800" b="0" i="0" u="none" strike="noStrike" kern="1200" cap="none" spc="0" normalizeH="0" baseline="0" noProof="0">
+              <a:ln>
+                <a:noFill/>
+              </a:ln>
+              <a:solidFill>
+                <a:prstClr val="white"/>
+              </a:solidFill>
+              <a:effectLst/>
+              <a:uLnTx/>
+              <a:uFillTx/>
+              <a:latin typeface="Century Gothic" panose="020B0502020202020204"/>
+              <a:ea typeface="+mn-ea"/>
+              <a:cs typeface="+mn-cs"/>
+            </a:endParaRPr>
+          </a:p>
+        </p:txBody>
+      </p:sp>
+      <p:pic>
+        <p:nvPicPr>
+          <p:cNvPr id="21" name="Picture 20">
+            <a:extLst>
+              <a:ext uri="{FF2B5EF4-FFF2-40B4-BE49-F238E27FC236}">
+                <a16:creationId xmlns:a16="http://schemas.microsoft.com/office/drawing/2014/main" id="{D2B93162-635C-46F5-97EC-E98C1659F1F0}"/>
+              </a:ext>
+              <a:ext uri="{C183D7F6-B498-43B3-948B-1728B52AA6E4}">
+                <adec:decorative xmlns:adec="http://schemas.microsoft.com/office/drawing/2017/decorative" val="1"/>
+              </a:ext>
+            </a:extLst>
+          </p:cNvPr>
+          <p:cNvPicPr>
+            <a:picLocks noGrp="1" noRot="1" noChangeAspect="1" noMove="1" noResize="1" noEditPoints="1" noAdjustHandles="1" noChangeArrowheads="1" noChangeShapeType="1" noCrop="1"/>
+          </p:cNvPicPr>
+          <p:nvPr>
+            <p:extLst>
+              <p:ext uri="{386F3935-93C4-4BCD-93E2-E3B085C9AB24}">
+                <p16:designElem xmlns:p16="http://schemas.microsoft.com/office/powerpoint/2015/main" val="1"/>
+              </p:ext>
+            </p:extLst>
+          </p:nvPr>
+        </p:nvPicPr>
+        <p:blipFill rotWithShape="1">
+          <a:blip r:embed="rId2">
+            <a:extLst>
+              <a:ext uri="{28A0092B-C50C-407E-A947-70E740481C1C}">
+                <a14:useLocalDpi xmlns:a14="http://schemas.microsoft.com/office/drawing/2010/main" val="0"/>
+              </a:ext>
+            </a:extLst>
+          </a:blip>
+          <a:srcRect r="61975"/>
+          <a:stretch/>
+        </p:blipFill>
+        <p:spPr>
+          <a:xfrm>
+            <a:off x="0" y="4375150"/>
+            <a:ext cx="4636008" cy="2482850"/>
+          </a:xfrm>
+          <a:prstGeom prst="rect">
+            <a:avLst/>
+          </a:prstGeom>
+        </p:spPr>
+      </p:pic>
+      <p:sp>
+        <p:nvSpPr>
+          <p:cNvPr id="2" name="Заглавие 1">
+            <a:extLst>
+              <a:ext uri="{FF2B5EF4-FFF2-40B4-BE49-F238E27FC236}">
+                <a16:creationId xmlns:a16="http://schemas.microsoft.com/office/drawing/2014/main" id="{C85731E5-687E-4D46-A060-EDCF5F9B9482}"/>
+              </a:ext>
+            </a:extLst>
+          </p:cNvPr>
+          <p:cNvSpPr>
+            <a:spLocks noGrp="1"/>
+          </p:cNvSpPr>
+          <p:nvPr>
+            <p:ph type="title"/>
+          </p:nvPr>
+        </p:nvSpPr>
+        <p:spPr>
+          <a:xfrm>
+            <a:off x="665922" y="987287"/>
+            <a:ext cx="3548269" cy="4697896"/>
+          </a:xfrm>
+        </p:spPr>
+        <p:txBody>
+          <a:bodyPr>
+            <a:normAutofit/>
+          </a:bodyPr>
+          <a:lstStyle/>
+          <a:p>
+            <a:r>
+              <a:rPr lang="bg-BG" sz="3600"/>
+              <a:t>Благодаря за вниманието</a:t>
+            </a:r>
+            <a:endParaRPr lang="bg-BG" sz="3600" dirty="0"/>
+          </a:p>
+        </p:txBody>
+      </p:sp>
+      <p:pic>
+        <p:nvPicPr>
+          <p:cNvPr id="5" name="Контейнер за съдържание 4" descr="Картина, която съдържа лице, мъж, открито, позиращ&#10;&#10;Описанието е генерирано автоматично">
+            <a:extLst>
+              <a:ext uri="{FF2B5EF4-FFF2-40B4-BE49-F238E27FC236}">
+                <a16:creationId xmlns:a16="http://schemas.microsoft.com/office/drawing/2014/main" id="{F1ECB252-7EBB-4FF0-80FE-BEE6BE7BFB96}"/>
+              </a:ext>
+            </a:extLst>
+          </p:cNvPr>
+          <p:cNvPicPr>
+            <a:picLocks noGrp="1" noChangeAspect="1"/>
+          </p:cNvPicPr>
+          <p:nvPr>
+            <p:ph idx="1"/>
+          </p:nvPr>
+        </p:nvPicPr>
+        <p:blipFill rotWithShape="1">
+          <a:blip r:embed="rId3">
+            <a:extLst>
+              <a:ext uri="{28A0092B-C50C-407E-A947-70E740481C1C}">
+                <a14:useLocalDpi xmlns:a14="http://schemas.microsoft.com/office/drawing/2010/main" val="0"/>
+              </a:ext>
+            </a:extLst>
+          </a:blip>
+          <a:srcRect l="12193" r="18422"/>
+          <a:stretch/>
+        </p:blipFill>
+        <p:spPr>
+          <a:xfrm>
+            <a:off x="5966752" y="1444998"/>
+            <a:ext cx="4894504" cy="3968004"/>
+          </a:xfrm>
+          <a:prstGeom prst="roundRect">
+            <a:avLst>
+              <a:gd name="adj" fmla="val 8594"/>
+            </a:avLst>
+          </a:prstGeom>
+          <a:solidFill>
+            <a:srgbClr val="FFFFFF">
+              <a:shade val="85000"/>
+            </a:srgbClr>
+          </a:solidFill>
+          <a:ln>
+            <a:noFill/>
+          </a:ln>
+          <a:effectLst>
+            <a:reflection blurRad="12700" stA="38000" endPos="28000" dist="5000" dir="5400000" sy="-100000" algn="bl" rotWithShape="0"/>
+          </a:effectLst>
+        </p:spPr>
+      </p:pic>
+    </p:spTree>
+    <p:extLst>
+      <p:ext uri="{BB962C8B-B14F-4D97-AF65-F5344CB8AC3E}">
+        <p14:creationId xmlns:p14="http://schemas.microsoft.com/office/powerpoint/2010/main" val="2378686646"/>
       </p:ext>
     </p:extLst>
   </p:cSld>
@@ -6599,18 +6962,24 @@
                         </a:spcAft>
                       </a:pPr>
                       <a:r>
-                        <a:rPr lang="bg-BG" sz="2400">
+                        <a:rPr lang="bg-BG" sz="2400" dirty="0">
                           <a:effectLst/>
                         </a:rPr>
-                        <a:t>1kв Resisto</a:t>
+                        <a:t>1kв </a:t>
                       </a:r>
                       <a:r>
-                        <a:rPr lang="en-US" sz="2400">
+                        <a:rPr lang="bg-BG" sz="2400" dirty="0" err="1">
+                          <a:effectLst/>
+                        </a:rPr>
+                        <a:t>Resisto</a:t>
+                      </a:r>
+                      <a:r>
+                        <a:rPr lang="en-US" sz="2400" dirty="0">
                           <a:effectLst/>
                         </a:rPr>
                         <a:t>r</a:t>
                       </a:r>
-                      <a:endParaRPr lang="bg-BG" sz="1900">
+                      <a:endParaRPr lang="bg-BG" sz="1900" dirty="0">
                         <a:effectLst/>
                         <a:latin typeface="Arial" panose="020B0604020202020204" pitchFamily="34" charset="0"/>
                         <a:ea typeface="Arial" panose="020B0604020202020204" pitchFamily="34" charset="0"/>
@@ -6787,12 +7156,12 @@
                         </a:spcAft>
                       </a:pPr>
                       <a:r>
-                        <a:rPr lang="bg-BG" sz="2400">
+                        <a:rPr lang="bg-BG" sz="2400" dirty="0">
                           <a:effectLst/>
                         </a:rPr>
                         <a:t>LCD 16 x 2</a:t>
                       </a:r>
-                      <a:endParaRPr lang="bg-BG" sz="1900">
+                      <a:endParaRPr lang="bg-BG" sz="1900" dirty="0">
                         <a:effectLst/>
                         <a:latin typeface="Arial" panose="020B0604020202020204" pitchFamily="34" charset="0"/>
                         <a:ea typeface="Arial" panose="020B0604020202020204" pitchFamily="34" charset="0"/>
@@ -6878,12 +7247,18 @@
                         </a:spcAft>
                       </a:pPr>
                       <a:r>
-                        <a:rPr lang="bg-BG" sz="2400">
+                        <a:rPr lang="bg-BG" sz="2400" dirty="0">
                           <a:effectLst/>
                         </a:rPr>
-                        <a:t>250 Potentiometer</a:t>
+                        <a:t>250 </a:t>
                       </a:r>
-                      <a:endParaRPr lang="bg-BG" sz="1900">
+                      <a:r>
+                        <a:rPr lang="bg-BG" sz="2400" dirty="0" err="1">
+                          <a:effectLst/>
+                        </a:rPr>
+                        <a:t>Potentiometer</a:t>
+                      </a:r>
+                      <a:endParaRPr lang="bg-BG" sz="1900" dirty="0">
                         <a:effectLst/>
                         <a:latin typeface="Arial" panose="020B0604020202020204" pitchFamily="34" charset="0"/>
                         <a:ea typeface="Arial" panose="020B0604020202020204" pitchFamily="34" charset="0"/>
@@ -7219,6 +7594,398 @@
 <file path=ppt/slides/slide4.xml><?xml version="1.0" encoding="utf-8"?>
 <p:sld xmlns:a="http://schemas.openxmlformats.org/drawingml/2006/main" xmlns:r="http://schemas.openxmlformats.org/officeDocument/2006/relationships" xmlns:p="http://schemas.openxmlformats.org/presentationml/2006/main">
   <p:cSld>
+    <p:bg>
+      <p:bgPr>
+        <a:solidFill>
+          <a:schemeClr val="bg1"/>
+        </a:solidFill>
+        <a:effectLst/>
+      </p:bgPr>
+    </p:bg>
+    <p:spTree>
+      <p:nvGrpSpPr>
+        <p:cNvPr id="1" name=""/>
+        <p:cNvGrpSpPr/>
+        <p:nvPr/>
+      </p:nvGrpSpPr>
+      <p:grpSpPr>
+        <a:xfrm>
+          <a:off x="0" y="0"/>
+          <a:ext cx="0" cy="0"/>
+          <a:chOff x="0" y="0"/>
+          <a:chExt cx="0" cy="0"/>
+        </a:xfrm>
+      </p:grpSpPr>
+      <p:sp useBgFill="1">
+        <p:nvSpPr>
+          <p:cNvPr id="11" name="Rounded Rectangle 14">
+            <a:extLst>
+              <a:ext uri="{FF2B5EF4-FFF2-40B4-BE49-F238E27FC236}">
+                <a16:creationId xmlns:a16="http://schemas.microsoft.com/office/drawing/2014/main" id="{1FDFF85F-F105-40D5-9793-90419158C3BD}"/>
+              </a:ext>
+              <a:ext uri="{C183D7F6-B498-43B3-948B-1728B52AA6E4}">
+                <adec:decorative xmlns:adec="http://schemas.microsoft.com/office/drawing/2017/decorative" val="1"/>
+              </a:ext>
+            </a:extLst>
+          </p:cNvPr>
+          <p:cNvSpPr>
+            <a:spLocks noGrp="1" noRot="1" noChangeAspect="1" noMove="1" noResize="1" noEditPoints="1" noAdjustHandles="1" noChangeArrowheads="1" noChangeShapeType="1" noTextEdit="1"/>
+          </p:cNvSpPr>
+          <p:nvPr>
+            <p:extLst>
+              <p:ext uri="{386F3935-93C4-4BCD-93E2-E3B085C9AB24}">
+                <p16:designElem xmlns:p16="http://schemas.microsoft.com/office/powerpoint/2015/main" val="1"/>
+              </p:ext>
+            </p:extLst>
+          </p:nvPr>
+        </p:nvSpPr>
+        <p:spPr>
+          <a:xfrm>
+            <a:off x="4636008" y="0"/>
+            <a:ext cx="7555992" cy="6858000"/>
+          </a:xfrm>
+          <a:prstGeom prst="roundRect">
+            <a:avLst>
+              <a:gd name="adj" fmla="val 0"/>
+            </a:avLst>
+          </a:prstGeom>
+          <a:ln>
+            <a:noFill/>
+          </a:ln>
+          <a:effectLst/>
+        </p:spPr>
+        <p:style>
+          <a:lnRef idx="2">
+            <a:schemeClr val="accent1">
+              <a:shade val="50000"/>
+            </a:schemeClr>
+          </a:lnRef>
+          <a:fillRef idx="1">
+            <a:schemeClr val="accent1"/>
+          </a:fillRef>
+          <a:effectRef idx="0">
+            <a:schemeClr val="accent1"/>
+          </a:effectRef>
+          <a:fontRef idx="minor">
+            <a:schemeClr val="lt1"/>
+          </a:fontRef>
+        </p:style>
+        <p:txBody>
+          <a:bodyPr rtlCol="0" anchor="ctr"/>
+          <a:lstStyle/>
+          <a:p>
+            <a:pPr marL="0" marR="0" lvl="0" indent="0" algn="ctr" defTabSz="457200" rtl="0" eaLnBrk="1" fontAlgn="auto" latinLnBrk="0" hangingPunct="1">
+              <a:lnSpc>
+                <a:spcPct val="100000"/>
+              </a:lnSpc>
+              <a:spcBef>
+                <a:spcPts val="0"/>
+              </a:spcBef>
+              <a:spcAft>
+                <a:spcPts val="0"/>
+              </a:spcAft>
+              <a:buClrTx/>
+              <a:buSzTx/>
+              <a:buFontTx/>
+              <a:buNone/>
+              <a:tabLst/>
+              <a:defRPr/>
+            </a:pPr>
+            <a:endParaRPr kumimoji="0" lang="en-US" sz="1800" b="0" i="0" u="none" strike="noStrike" kern="1200" cap="none" spc="0" normalizeH="0" baseline="0" noProof="0">
+              <a:ln>
+                <a:noFill/>
+              </a:ln>
+              <a:solidFill>
+                <a:prstClr val="white"/>
+              </a:solidFill>
+              <a:effectLst/>
+              <a:uLnTx/>
+              <a:uFillTx/>
+              <a:latin typeface="Century Gothic" panose="020B0502020202020204"/>
+              <a:ea typeface="+mn-ea"/>
+              <a:cs typeface="+mn-cs"/>
+            </a:endParaRPr>
+          </a:p>
+        </p:txBody>
+      </p:sp>
+      <p:sp>
+        <p:nvSpPr>
+          <p:cNvPr id="13" name="Rectangle 12">
+            <a:extLst>
+              <a:ext uri="{FF2B5EF4-FFF2-40B4-BE49-F238E27FC236}">
+                <a16:creationId xmlns:a16="http://schemas.microsoft.com/office/drawing/2014/main" id="{35AB47A4-BA8C-4250-88BD-D49C68C5F9E9}"/>
+              </a:ext>
+              <a:ext uri="{C183D7F6-B498-43B3-948B-1728B52AA6E4}">
+                <adec:decorative xmlns:adec="http://schemas.microsoft.com/office/drawing/2017/decorative" val="1"/>
+              </a:ext>
+            </a:extLst>
+          </p:cNvPr>
+          <p:cNvSpPr>
+            <a:spLocks noGrp="1" noRot="1" noChangeAspect="1" noMove="1" noResize="1" noEditPoints="1" noAdjustHandles="1" noChangeArrowheads="1" noChangeShapeType="1" noTextEdit="1"/>
+          </p:cNvSpPr>
+          <p:nvPr>
+            <p:extLst>
+              <p:ext uri="{386F3935-93C4-4BCD-93E2-E3B085C9AB24}">
+                <p16:designElem xmlns:p16="http://schemas.microsoft.com/office/powerpoint/2015/main" val="1"/>
+              </p:ext>
+            </p:extLst>
+          </p:nvPr>
+        </p:nvSpPr>
+        <p:spPr>
+          <a:xfrm>
+            <a:off x="0" y="0"/>
+            <a:ext cx="4636008" cy="6858000"/>
+          </a:xfrm>
+          <a:prstGeom prst="rect">
+            <a:avLst/>
+          </a:prstGeom>
+          <a:solidFill>
+            <a:schemeClr val="tx1"/>
+          </a:solidFill>
+          <a:ln>
+            <a:noFill/>
+          </a:ln>
+          <a:effectLst>
+            <a:outerShdw blurRad="63500" dist="38100" algn="l" rotWithShape="0">
+              <a:prstClr val="black">
+                <a:alpha val="40000"/>
+              </a:prstClr>
+            </a:outerShdw>
+          </a:effectLst>
+        </p:spPr>
+        <p:style>
+          <a:lnRef idx="2">
+            <a:schemeClr val="accent1">
+              <a:shade val="50000"/>
+            </a:schemeClr>
+          </a:lnRef>
+          <a:fillRef idx="1">
+            <a:schemeClr val="accent1"/>
+          </a:fillRef>
+          <a:effectRef idx="0">
+            <a:schemeClr val="accent1"/>
+          </a:effectRef>
+          <a:fontRef idx="minor">
+            <a:schemeClr val="lt1"/>
+          </a:fontRef>
+        </p:style>
+        <p:txBody>
+          <a:bodyPr rtlCol="0" anchor="ctr"/>
+          <a:lstStyle/>
+          <a:p>
+            <a:pPr marL="0" marR="0" lvl="0" indent="0" algn="ctr" defTabSz="457200" rtl="0" eaLnBrk="1" fontAlgn="auto" latinLnBrk="0" hangingPunct="1">
+              <a:lnSpc>
+                <a:spcPct val="100000"/>
+              </a:lnSpc>
+              <a:spcBef>
+                <a:spcPts val="0"/>
+              </a:spcBef>
+              <a:spcAft>
+                <a:spcPts val="0"/>
+              </a:spcAft>
+              <a:buClrTx/>
+              <a:buSzTx/>
+              <a:buFontTx/>
+              <a:buNone/>
+              <a:tabLst/>
+              <a:defRPr/>
+            </a:pPr>
+            <a:endParaRPr kumimoji="0" lang="en-US" sz="1800" b="0" i="0" u="none" strike="noStrike" kern="1200" cap="none" spc="0" normalizeH="0" baseline="0" noProof="0">
+              <a:ln>
+                <a:noFill/>
+              </a:ln>
+              <a:solidFill>
+                <a:prstClr val="white"/>
+              </a:solidFill>
+              <a:effectLst/>
+              <a:uLnTx/>
+              <a:uFillTx/>
+              <a:latin typeface="Century Gothic" panose="020B0502020202020204"/>
+              <a:ea typeface="+mn-ea"/>
+              <a:cs typeface="+mn-cs"/>
+            </a:endParaRPr>
+          </a:p>
+        </p:txBody>
+      </p:sp>
+      <p:pic>
+        <p:nvPicPr>
+          <p:cNvPr id="15" name="Picture 14">
+            <a:extLst>
+              <a:ext uri="{FF2B5EF4-FFF2-40B4-BE49-F238E27FC236}">
+                <a16:creationId xmlns:a16="http://schemas.microsoft.com/office/drawing/2014/main" id="{66C8958D-EB99-414F-B735-863B67BB14D3}"/>
+              </a:ext>
+              <a:ext uri="{C183D7F6-B498-43B3-948B-1728B52AA6E4}">
+                <adec:decorative xmlns:adec="http://schemas.microsoft.com/office/drawing/2017/decorative" val="1"/>
+              </a:ext>
+            </a:extLst>
+          </p:cNvPr>
+          <p:cNvPicPr>
+            <a:picLocks noGrp="1" noRot="1" noChangeAspect="1" noMove="1" noResize="1" noEditPoints="1" noAdjustHandles="1" noChangeArrowheads="1" noChangeShapeType="1" noCrop="1"/>
+          </p:cNvPicPr>
+          <p:nvPr>
+            <p:extLst>
+              <p:ext uri="{386F3935-93C4-4BCD-93E2-E3B085C9AB24}">
+                <p16:designElem xmlns:p16="http://schemas.microsoft.com/office/powerpoint/2015/main" val="1"/>
+              </p:ext>
+            </p:extLst>
+          </p:nvPr>
+        </p:nvPicPr>
+        <p:blipFill rotWithShape="1">
+          <a:blip r:embed="rId2">
+            <a:extLst>
+              <a:ext uri="{28A0092B-C50C-407E-A947-70E740481C1C}">
+                <a14:useLocalDpi xmlns:a14="http://schemas.microsoft.com/office/drawing/2010/main" val="0"/>
+              </a:ext>
+            </a:extLst>
+          </a:blip>
+          <a:srcRect r="61975"/>
+          <a:stretch/>
+        </p:blipFill>
+        <p:spPr>
+          <a:xfrm>
+            <a:off x="0" y="0"/>
+            <a:ext cx="4636008" cy="1441450"/>
+          </a:xfrm>
+          <a:prstGeom prst="rect">
+            <a:avLst/>
+          </a:prstGeom>
+        </p:spPr>
+      </p:pic>
+      <p:sp>
+        <p:nvSpPr>
+          <p:cNvPr id="2" name="Заглавие 1">
+            <a:extLst>
+              <a:ext uri="{FF2B5EF4-FFF2-40B4-BE49-F238E27FC236}">
+                <a16:creationId xmlns:a16="http://schemas.microsoft.com/office/drawing/2014/main" id="{D0B19AC0-ED58-4F51-8781-C635C76B3BB1}"/>
+              </a:ext>
+            </a:extLst>
+          </p:cNvPr>
+          <p:cNvSpPr>
+            <a:spLocks noGrp="1"/>
+          </p:cNvSpPr>
+          <p:nvPr>
+            <p:ph type="title"/>
+          </p:nvPr>
+        </p:nvSpPr>
+        <p:spPr>
+          <a:xfrm>
+            <a:off x="643467" y="1791209"/>
+            <a:ext cx="3687417" cy="1920372"/>
+          </a:xfrm>
+        </p:spPr>
+        <p:txBody>
+          <a:bodyPr>
+            <a:normAutofit/>
+          </a:bodyPr>
+          <a:lstStyle/>
+          <a:p>
+            <a:r>
+              <a:rPr lang="bg-BG" sz="5400" dirty="0">
+                <a:solidFill>
+                  <a:schemeClr val="bg1"/>
+                </a:solidFill>
+              </a:rPr>
+              <a:t>Блок схема</a:t>
+            </a:r>
+          </a:p>
+        </p:txBody>
+      </p:sp>
+      <p:pic>
+        <p:nvPicPr>
+          <p:cNvPr id="17" name="Picture 16">
+            <a:extLst>
+              <a:ext uri="{FF2B5EF4-FFF2-40B4-BE49-F238E27FC236}">
+                <a16:creationId xmlns:a16="http://schemas.microsoft.com/office/drawing/2014/main" id="{39E5F3CB-7BDD-4E64-B274-CD900F08C6F3}"/>
+              </a:ext>
+              <a:ext uri="{C183D7F6-B498-43B3-948B-1728B52AA6E4}">
+                <adec:decorative xmlns:adec="http://schemas.microsoft.com/office/drawing/2017/decorative" val="1"/>
+              </a:ext>
+            </a:extLst>
+          </p:cNvPr>
+          <p:cNvPicPr>
+            <a:picLocks noGrp="1" noRot="1" noChangeAspect="1" noMove="1" noResize="1" noEditPoints="1" noAdjustHandles="1" noChangeArrowheads="1" noChangeShapeType="1" noCrop="1"/>
+          </p:cNvPicPr>
+          <p:nvPr>
+            <p:extLst>
+              <p:ext uri="{386F3935-93C4-4BCD-93E2-E3B085C9AB24}">
+                <p16:designElem xmlns:p16="http://schemas.microsoft.com/office/powerpoint/2015/main" val="1"/>
+              </p:ext>
+            </p:extLst>
+          </p:nvPr>
+        </p:nvPicPr>
+        <p:blipFill rotWithShape="1">
+          <a:blip r:embed="rId3">
+            <a:extLst>
+              <a:ext uri="{28A0092B-C50C-407E-A947-70E740481C1C}">
+                <a14:useLocalDpi xmlns:a14="http://schemas.microsoft.com/office/drawing/2010/main" val="0"/>
+              </a:ext>
+            </a:extLst>
+          </a:blip>
+          <a:srcRect r="61975"/>
+          <a:stretch/>
+        </p:blipFill>
+        <p:spPr>
+          <a:xfrm>
+            <a:off x="0" y="4375150"/>
+            <a:ext cx="4636008" cy="2482850"/>
+          </a:xfrm>
+          <a:prstGeom prst="rect">
+            <a:avLst/>
+          </a:prstGeom>
+        </p:spPr>
+      </p:pic>
+      <p:pic>
+        <p:nvPicPr>
+          <p:cNvPr id="4" name="Контейнер за съдържание 3" descr="Картина, която съдържа рисунка&#10;&#10;Описанието е генерирано автоматично">
+            <a:extLst>
+              <a:ext uri="{FF2B5EF4-FFF2-40B4-BE49-F238E27FC236}">
+                <a16:creationId xmlns:a16="http://schemas.microsoft.com/office/drawing/2014/main" id="{0C142EE2-EAA4-45B9-B2A4-6F4C19368EB6}"/>
+              </a:ext>
+            </a:extLst>
+          </p:cNvPr>
+          <p:cNvPicPr>
+            <a:picLocks/>
+          </p:cNvPicPr>
+          <p:nvPr/>
+        </p:nvPicPr>
+        <p:blipFill>
+          <a:blip r:embed="rId4" cstate="print">
+            <a:extLst>
+              <a:ext uri="{28A0092B-C50C-407E-A947-70E740481C1C}">
+                <a14:useLocalDpi xmlns:a14="http://schemas.microsoft.com/office/drawing/2010/main" val="0"/>
+              </a:ext>
+            </a:extLst>
+          </a:blip>
+          <a:stretch>
+            <a:fillRect/>
+          </a:stretch>
+        </p:blipFill>
+        <p:spPr>
+          <a:xfrm>
+            <a:off x="5059017" y="1791209"/>
+            <a:ext cx="6489516" cy="3340084"/>
+          </a:xfrm>
+          <a:prstGeom prst="rect">
+            <a:avLst/>
+          </a:prstGeom>
+        </p:spPr>
+      </p:pic>
+    </p:spTree>
+    <p:extLst>
+      <p:ext uri="{BB962C8B-B14F-4D97-AF65-F5344CB8AC3E}">
+        <p14:creationId xmlns:p14="http://schemas.microsoft.com/office/powerpoint/2010/main" val="2323297012"/>
+      </p:ext>
+    </p:extLst>
+  </p:cSld>
+  <p:clrMapOvr>
+    <a:overrideClrMapping bg1="lt1" tx1="dk1" bg2="lt2" tx2="dk2" accent1="accent1" accent2="accent2" accent3="accent3" accent4="accent4" accent5="accent5" accent6="accent6" hlink="hlink" folHlink="folHlink"/>
+  </p:clrMapOvr>
+</p:sld>
+</file>
+
+<file path=ppt/slides/slide5.xml><?xml version="1.0" encoding="utf-8"?>
+<p:sld xmlns:a="http://schemas.openxmlformats.org/drawingml/2006/main" xmlns:r="http://schemas.openxmlformats.org/officeDocument/2006/relationships" xmlns:p="http://schemas.openxmlformats.org/presentationml/2006/main">
+  <p:cSld>
     <p:spTree>
       <p:nvGrpSpPr>
         <p:cNvPr id="1" name=""/>
@@ -7434,7 +8201,7 @@
 </p:sld>
 </file>
 
-<file path=ppt/slides/slide5.xml><?xml version="1.0" encoding="utf-8"?>
+<file path=ppt/slides/slide6.xml><?xml version="1.0" encoding="utf-8"?>
 <p:sld xmlns:a="http://schemas.openxmlformats.org/drawingml/2006/main" xmlns:r="http://schemas.openxmlformats.org/officeDocument/2006/relationships" xmlns:p="http://schemas.openxmlformats.org/presentationml/2006/main">
   <p:cSld>
     <p:spTree>
@@ -7652,7 +8419,7 @@
 </p:sld>
 </file>
 
-<file path=ppt/slides/slide6.xml><?xml version="1.0" encoding="utf-8"?>
+<file path=ppt/slides/slide7.xml><?xml version="1.0" encoding="utf-8"?>
 <p:sld xmlns:a="http://schemas.openxmlformats.org/drawingml/2006/main" xmlns:r="http://schemas.openxmlformats.org/officeDocument/2006/relationships" xmlns:p="http://schemas.openxmlformats.org/presentationml/2006/main">
   <p:cSld>
     <p:bg>
@@ -7890,7 +8657,7 @@
 </p:sld>
 </file>
 
-<file path=ppt/slides/slide7.xml><?xml version="1.0" encoding="utf-8"?>
+<file path=ppt/slides/slide8.xml><?xml version="1.0" encoding="utf-8"?>
 <p:sld xmlns:a="http://schemas.openxmlformats.org/drawingml/2006/main" xmlns:r="http://schemas.openxmlformats.org/officeDocument/2006/relationships" xmlns:p="http://schemas.openxmlformats.org/presentationml/2006/main">
   <p:cSld>
     <p:spTree>
@@ -7962,6 +8729,15 @@
               </a:rPr>
               <a:t>https://www.tinkercad.com/things/8RHFvR6886e-copy-of-copy-of-copy-of-super-hillar/editel?tenant=circuits</a:t>
             </a:r>
+            <a:endParaRPr lang="en-GB" dirty="0"/>
+          </a:p>
+          <a:p>
+            <a:r>
+              <a:rPr lang="en-GB" dirty="0">
+                <a:hlinkClick r:id="rId3"/>
+              </a:rPr>
+              <a:t>https://github.com/dimitarkole/DimSecurety-system</a:t>
+            </a:r>
             <a:endParaRPr lang="bg-BG" dirty="0"/>
           </a:p>
         </p:txBody>
@@ -7979,7 +8755,7 @@
 </p:sld>
 </file>
 
-<file path=ppt/slides/slide8.xml><?xml version="1.0" encoding="utf-8"?>
+<file path=ppt/slides/slide9.xml><?xml version="1.0" encoding="utf-8"?>
 <p:sld xmlns:a="http://schemas.openxmlformats.org/drawingml/2006/main" xmlns:r="http://schemas.openxmlformats.org/officeDocument/2006/relationships" xmlns:p="http://schemas.openxmlformats.org/presentationml/2006/main">
   <p:cSld>
     <p:spTree>
@@ -8174,363 +8950,6 @@
     <p:extLst>
       <p:ext uri="{BB962C8B-B14F-4D97-AF65-F5344CB8AC3E}">
         <p14:creationId xmlns:p14="http://schemas.microsoft.com/office/powerpoint/2010/main" val="3531157047"/>
-      </p:ext>
-    </p:extLst>
-  </p:cSld>
-  <p:clrMapOvr>
-    <a:masterClrMapping/>
-  </p:clrMapOvr>
-</p:sld>
-</file>
-
-<file path=ppt/slides/slide9.xml><?xml version="1.0" encoding="utf-8"?>
-<p:sld xmlns:a="http://schemas.openxmlformats.org/drawingml/2006/main" xmlns:r="http://schemas.openxmlformats.org/officeDocument/2006/relationships" xmlns:p="http://schemas.openxmlformats.org/presentationml/2006/main">
-  <p:cSld>
-    <p:bg>
-      <p:bgPr>
-        <a:solidFill>
-          <a:schemeClr val="bg1"/>
-        </a:solidFill>
-        <a:effectLst/>
-      </p:bgPr>
-    </p:bg>
-    <p:spTree>
-      <p:nvGrpSpPr>
-        <p:cNvPr id="1" name=""/>
-        <p:cNvGrpSpPr/>
-        <p:nvPr/>
-      </p:nvGrpSpPr>
-      <p:grpSpPr>
-        <a:xfrm>
-          <a:off x="0" y="0"/>
-          <a:ext cx="0" cy="0"/>
-          <a:chOff x="0" y="0"/>
-          <a:chExt cx="0" cy="0"/>
-        </a:xfrm>
-      </p:grpSpPr>
-      <p:sp>
-        <p:nvSpPr>
-          <p:cNvPr id="17" name="Rounded Rectangle 14">
-            <a:extLst>
-              <a:ext uri="{FF2B5EF4-FFF2-40B4-BE49-F238E27FC236}">
-                <a16:creationId xmlns:a16="http://schemas.microsoft.com/office/drawing/2014/main" id="{637BD688-14A6-4B96-B8A2-3CD81C054FCE}"/>
-              </a:ext>
-              <a:ext uri="{C183D7F6-B498-43B3-948B-1728B52AA6E4}">
-                <adec:decorative xmlns:adec="http://schemas.microsoft.com/office/drawing/2017/decorative" val="1"/>
-              </a:ext>
-            </a:extLst>
-          </p:cNvPr>
-          <p:cNvSpPr>
-            <a:spLocks noGrp="1" noRot="1" noChangeAspect="1" noMove="1" noResize="1" noEditPoints="1" noAdjustHandles="1" noChangeArrowheads="1" noChangeShapeType="1" noTextEdit="1"/>
-          </p:cNvSpPr>
-          <p:nvPr>
-            <p:extLst>
-              <p:ext uri="{386F3935-93C4-4BCD-93E2-E3B085C9AB24}">
-                <p16:designElem xmlns:p16="http://schemas.microsoft.com/office/powerpoint/2015/main" val="1"/>
-              </p:ext>
-            </p:extLst>
-          </p:nvPr>
-        </p:nvSpPr>
-        <p:spPr>
-          <a:xfrm>
-            <a:off x="4636008" y="0"/>
-            <a:ext cx="7555992" cy="6858000"/>
-          </a:xfrm>
-          <a:prstGeom prst="rect">
-            <a:avLst/>
-          </a:prstGeom>
-          <a:solidFill>
-            <a:schemeClr val="bg2"/>
-          </a:solidFill>
-          <a:ln>
-            <a:noFill/>
-          </a:ln>
-          <a:effectLst/>
-        </p:spPr>
-        <p:style>
-          <a:lnRef idx="2">
-            <a:schemeClr val="accent1">
-              <a:shade val="50000"/>
-            </a:schemeClr>
-          </a:lnRef>
-          <a:fillRef idx="1">
-            <a:schemeClr val="accent1"/>
-          </a:fillRef>
-          <a:effectRef idx="0">
-            <a:schemeClr val="accent1"/>
-          </a:effectRef>
-          <a:fontRef idx="minor">
-            <a:schemeClr val="lt1"/>
-          </a:fontRef>
-        </p:style>
-        <p:txBody>
-          <a:bodyPr rtlCol="0" anchor="ctr"/>
-          <a:lstStyle/>
-          <a:p>
-            <a:pPr marL="0" marR="0" lvl="0" indent="0" algn="ctr" defTabSz="457200" rtl="0" eaLnBrk="1" fontAlgn="auto" latinLnBrk="0" hangingPunct="1">
-              <a:lnSpc>
-                <a:spcPct val="100000"/>
-              </a:lnSpc>
-              <a:spcBef>
-                <a:spcPts val="0"/>
-              </a:spcBef>
-              <a:spcAft>
-                <a:spcPts val="0"/>
-              </a:spcAft>
-              <a:buClrTx/>
-              <a:buSzTx/>
-              <a:buFontTx/>
-              <a:buNone/>
-              <a:tabLst/>
-              <a:defRPr/>
-            </a:pPr>
-            <a:endParaRPr kumimoji="0" lang="en-US" sz="1800" b="0" i="0" u="none" strike="noStrike" kern="1200" cap="none" spc="0" normalizeH="0" baseline="0" noProof="0">
-              <a:ln>
-                <a:noFill/>
-              </a:ln>
-              <a:solidFill>
-                <a:prstClr val="white"/>
-              </a:solidFill>
-              <a:effectLst/>
-              <a:uLnTx/>
-              <a:uFillTx/>
-              <a:latin typeface="Century Gothic" panose="020B0502020202020204"/>
-              <a:ea typeface="+mn-ea"/>
-              <a:cs typeface="+mn-cs"/>
-            </a:endParaRPr>
-          </a:p>
-        </p:txBody>
-      </p:sp>
-      <p:sp useBgFill="1">
-        <p:nvSpPr>
-          <p:cNvPr id="19" name="Rectangle 18">
-            <a:extLst>
-              <a:ext uri="{FF2B5EF4-FFF2-40B4-BE49-F238E27FC236}">
-                <a16:creationId xmlns:a16="http://schemas.microsoft.com/office/drawing/2014/main" id="{B7B2544F-CA5E-40F6-9525-716A90C83FC5}"/>
-              </a:ext>
-              <a:ext uri="{C183D7F6-B498-43B3-948B-1728B52AA6E4}">
-                <adec:decorative xmlns:adec="http://schemas.microsoft.com/office/drawing/2017/decorative" val="1"/>
-              </a:ext>
-            </a:extLst>
-          </p:cNvPr>
-          <p:cNvSpPr>
-            <a:spLocks noGrp="1" noRot="1" noChangeAspect="1" noMove="1" noResize="1" noEditPoints="1" noAdjustHandles="1" noChangeArrowheads="1" noChangeShapeType="1" noTextEdit="1"/>
-          </p:cNvSpPr>
-          <p:nvPr>
-            <p:extLst>
-              <p:ext uri="{386F3935-93C4-4BCD-93E2-E3B085C9AB24}">
-                <p16:designElem xmlns:p16="http://schemas.microsoft.com/office/powerpoint/2015/main" val="1"/>
-              </p:ext>
-            </p:extLst>
-          </p:nvPr>
-        </p:nvSpPr>
-        <p:spPr>
-          <a:xfrm>
-            <a:off x="0" y="0"/>
-            <a:ext cx="4636008" cy="6858000"/>
-          </a:xfrm>
-          <a:prstGeom prst="rect">
-            <a:avLst/>
-          </a:prstGeom>
-          <a:ln>
-            <a:noFill/>
-          </a:ln>
-          <a:effectLst>
-            <a:outerShdw blurRad="63500" dist="38100" algn="l" rotWithShape="0">
-              <a:prstClr val="black">
-                <a:alpha val="40000"/>
-              </a:prstClr>
-            </a:outerShdw>
-          </a:effectLst>
-        </p:spPr>
-        <p:style>
-          <a:lnRef idx="2">
-            <a:schemeClr val="accent1">
-              <a:shade val="50000"/>
-            </a:schemeClr>
-          </a:lnRef>
-          <a:fillRef idx="1">
-            <a:schemeClr val="accent1"/>
-          </a:fillRef>
-          <a:effectRef idx="0">
-            <a:schemeClr val="accent1"/>
-          </a:effectRef>
-          <a:fontRef idx="minor">
-            <a:schemeClr val="lt1"/>
-          </a:fontRef>
-        </p:style>
-        <p:txBody>
-          <a:bodyPr rtlCol="0" anchor="ctr"/>
-          <a:lstStyle/>
-          <a:p>
-            <a:pPr marL="0" marR="0" lvl="0" indent="0" algn="ctr" defTabSz="457200" rtl="0" eaLnBrk="1" fontAlgn="auto" latinLnBrk="0" hangingPunct="1">
-              <a:lnSpc>
-                <a:spcPct val="100000"/>
-              </a:lnSpc>
-              <a:spcBef>
-                <a:spcPts val="0"/>
-              </a:spcBef>
-              <a:spcAft>
-                <a:spcPts val="0"/>
-              </a:spcAft>
-              <a:buClrTx/>
-              <a:buSzTx/>
-              <a:buFontTx/>
-              <a:buNone/>
-              <a:tabLst/>
-              <a:defRPr/>
-            </a:pPr>
-            <a:endParaRPr kumimoji="0" lang="en-US" sz="1800" b="0" i="0" u="none" strike="noStrike" kern="1200" cap="none" spc="0" normalizeH="0" baseline="0" noProof="0">
-              <a:ln>
-                <a:noFill/>
-              </a:ln>
-              <a:solidFill>
-                <a:prstClr val="white"/>
-              </a:solidFill>
-              <a:effectLst/>
-              <a:uLnTx/>
-              <a:uFillTx/>
-              <a:latin typeface="Century Gothic" panose="020B0502020202020204"/>
-              <a:ea typeface="+mn-ea"/>
-              <a:cs typeface="+mn-cs"/>
-            </a:endParaRPr>
-          </a:p>
-        </p:txBody>
-      </p:sp>
-      <p:pic>
-        <p:nvPicPr>
-          <p:cNvPr id="21" name="Picture 20">
-            <a:extLst>
-              <a:ext uri="{FF2B5EF4-FFF2-40B4-BE49-F238E27FC236}">
-                <a16:creationId xmlns:a16="http://schemas.microsoft.com/office/drawing/2014/main" id="{D2B93162-635C-46F5-97EC-E98C1659F1F0}"/>
-              </a:ext>
-              <a:ext uri="{C183D7F6-B498-43B3-948B-1728B52AA6E4}">
-                <adec:decorative xmlns:adec="http://schemas.microsoft.com/office/drawing/2017/decorative" val="1"/>
-              </a:ext>
-            </a:extLst>
-          </p:cNvPr>
-          <p:cNvPicPr>
-            <a:picLocks noGrp="1" noRot="1" noChangeAspect="1" noMove="1" noResize="1" noEditPoints="1" noAdjustHandles="1" noChangeArrowheads="1" noChangeShapeType="1" noCrop="1"/>
-          </p:cNvPicPr>
-          <p:nvPr>
-            <p:extLst>
-              <p:ext uri="{386F3935-93C4-4BCD-93E2-E3B085C9AB24}">
-                <p16:designElem xmlns:p16="http://schemas.microsoft.com/office/powerpoint/2015/main" val="1"/>
-              </p:ext>
-            </p:extLst>
-          </p:nvPr>
-        </p:nvPicPr>
-        <p:blipFill rotWithShape="1">
-          <a:blip r:embed="rId2">
-            <a:extLst>
-              <a:ext uri="{28A0092B-C50C-407E-A947-70E740481C1C}">
-                <a14:useLocalDpi xmlns:a14="http://schemas.microsoft.com/office/drawing/2010/main" val="0"/>
-              </a:ext>
-            </a:extLst>
-          </a:blip>
-          <a:srcRect r="61975"/>
-          <a:stretch/>
-        </p:blipFill>
-        <p:spPr>
-          <a:xfrm>
-            <a:off x="0" y="4375150"/>
-            <a:ext cx="4636008" cy="2482850"/>
-          </a:xfrm>
-          <a:prstGeom prst="rect">
-            <a:avLst/>
-          </a:prstGeom>
-        </p:spPr>
-      </p:pic>
-      <p:sp>
-        <p:nvSpPr>
-          <p:cNvPr id="2" name="Заглавие 1">
-            <a:extLst>
-              <a:ext uri="{FF2B5EF4-FFF2-40B4-BE49-F238E27FC236}">
-                <a16:creationId xmlns:a16="http://schemas.microsoft.com/office/drawing/2014/main" id="{C85731E5-687E-4D46-A060-EDCF5F9B9482}"/>
-              </a:ext>
-            </a:extLst>
-          </p:cNvPr>
-          <p:cNvSpPr>
-            <a:spLocks noGrp="1"/>
-          </p:cNvSpPr>
-          <p:nvPr>
-            <p:ph type="title"/>
-          </p:nvPr>
-        </p:nvSpPr>
-        <p:spPr>
-          <a:xfrm>
-            <a:off x="665922" y="987287"/>
-            <a:ext cx="3548269" cy="4697896"/>
-          </a:xfrm>
-        </p:spPr>
-        <p:txBody>
-          <a:bodyPr>
-            <a:normAutofit/>
-          </a:bodyPr>
-          <a:lstStyle/>
-          <a:p>
-            <a:r>
-              <a:rPr lang="bg-BG" sz="3600"/>
-              <a:t>Благодаря за вниманието</a:t>
-            </a:r>
-            <a:endParaRPr lang="bg-BG" sz="3600" dirty="0"/>
-          </a:p>
-        </p:txBody>
-      </p:sp>
-      <p:pic>
-        <p:nvPicPr>
-          <p:cNvPr id="5" name="Контейнер за съдържание 4" descr="Картина, която съдържа лице, мъж, открито, позиращ&#10;&#10;Описанието е генерирано автоматично">
-            <a:extLst>
-              <a:ext uri="{FF2B5EF4-FFF2-40B4-BE49-F238E27FC236}">
-                <a16:creationId xmlns:a16="http://schemas.microsoft.com/office/drawing/2014/main" id="{F1ECB252-7EBB-4FF0-80FE-BEE6BE7BFB96}"/>
-              </a:ext>
-            </a:extLst>
-          </p:cNvPr>
-          <p:cNvPicPr>
-            <a:picLocks noGrp="1" noChangeAspect="1"/>
-          </p:cNvPicPr>
-          <p:nvPr>
-            <p:ph idx="1"/>
-          </p:nvPr>
-        </p:nvPicPr>
-        <p:blipFill rotWithShape="1">
-          <a:blip r:embed="rId3">
-            <a:extLst>
-              <a:ext uri="{28A0092B-C50C-407E-A947-70E740481C1C}">
-                <a14:useLocalDpi xmlns:a14="http://schemas.microsoft.com/office/drawing/2010/main" val="0"/>
-              </a:ext>
-            </a:extLst>
-          </a:blip>
-          <a:srcRect l="12193" r="18422"/>
-          <a:stretch/>
-        </p:blipFill>
-        <p:spPr>
-          <a:xfrm>
-            <a:off x="5966752" y="1444998"/>
-            <a:ext cx="4894504" cy="3968004"/>
-          </a:xfrm>
-          <a:prstGeom prst="roundRect">
-            <a:avLst>
-              <a:gd name="adj" fmla="val 8594"/>
-            </a:avLst>
-          </a:prstGeom>
-          <a:solidFill>
-            <a:srgbClr val="FFFFFF">
-              <a:shade val="85000"/>
-            </a:srgbClr>
-          </a:solidFill>
-          <a:ln>
-            <a:noFill/>
-          </a:ln>
-          <a:effectLst>
-            <a:reflection blurRad="12700" stA="38000" endPos="28000" dist="5000" dir="5400000" sy="-100000" algn="bl" rotWithShape="0"/>
-          </a:effectLst>
-        </p:spPr>
-      </p:pic>
-    </p:spTree>
-    <p:extLst>
-      <p:ext uri="{BB962C8B-B14F-4D97-AF65-F5344CB8AC3E}">
-        <p14:creationId xmlns:p14="http://schemas.microsoft.com/office/powerpoint/2010/main" val="2378686646"/>
       </p:ext>
     </p:extLst>
   </p:cSld>
